--- a/image segmentation.pptx
+++ b/image segmentation.pptx
@@ -30,12 +30,16 @@
       <p:regular r:id="rId16"/>
     </p:embeddedFont>
     <p:embeddedFont>
-      <p:font typeface="Open Sans Bold" charset="1" panose="020B0806030504020204"/>
+      <p:font typeface="Canva Sans Bold" charset="1" panose="020B0803030501040103"/>
       <p:regular r:id="rId17"/>
     </p:embeddedFont>
     <p:embeddedFont>
+      <p:font typeface="Open Sans Bold" charset="1" panose="020B0806030504020204"/>
+      <p:regular r:id="rId18"/>
+    </p:embeddedFont>
+    <p:embeddedFont>
       <p:font typeface="Open Sauce Bold" charset="1" panose="00000800000000000000"/>
-      <p:regular r:id="rId18"/>
+      <p:regular r:id="rId19"/>
     </p:embeddedFont>
   </p:embeddedFontLst>
   <p:defaultTextStyle>
@@ -4017,6 +4021,48 @@
                 <a:sym typeface="Hammersmith One"/>
               </a:rPr>
               <a:t>Output Generation</a:t>
+            </a:r>
+          </a:p>
+        </p:txBody>
+      </p:sp>
+      <p:sp>
+        <p:nvSpPr>
+          <p:cNvPr name="TextBox 13" id="13"/>
+          <p:cNvSpPr txBox="true"/>
+          <p:nvPr/>
+        </p:nvSpPr>
+        <p:spPr>
+          <a:xfrm rot="0">
+            <a:off x="9212385" y="8700849"/>
+            <a:ext cx="3861792" cy="778510"/>
+          </a:xfrm>
+          <a:prstGeom prst="rect">
+            <a:avLst/>
+          </a:prstGeom>
+        </p:spPr>
+        <p:txBody>
+          <a:bodyPr anchor="t" rtlCol="false" tIns="0" lIns="0" bIns="0" rIns="0">
+            <a:spAutoFit/>
+          </a:bodyPr>
+          <a:lstStyle/>
+          <a:p>
+            <a:pPr algn="ctr">
+              <a:lnSpc>
+                <a:spcPts val="6440"/>
+              </a:lnSpc>
+            </a:pPr>
+            <a:r>
+              <a:rPr lang="en-US" sz="4600" u="sng">
+                <a:solidFill>
+                  <a:srgbClr val="000000"/>
+                </a:solidFill>
+                <a:latin typeface="Canva Sans Bold"/>
+                <a:ea typeface="Canva Sans Bold"/>
+                <a:cs typeface="Canva Sans Bold"/>
+                <a:sym typeface="Canva Sans Bold"/>
+                <a:hlinkClick r:id="rId17" tooltip="https://youtu.be/VwykU0esElY?si=oZ2C7I_Sv86JCpkO"/>
+              </a:rPr>
+              <a:t>YouTube Link</a:t>
             </a:r>
           </a:p>
         </p:txBody>
